--- a/Beer presentation - EDA.pptx
+++ b/Beer presentation - EDA.pptx
@@ -16,6 +16,7 @@
     <p:sldId id="269" r:id="rId10"/>
     <p:sldId id="266" r:id="rId11"/>
     <p:sldId id="268" r:id="rId12"/>
+    <p:sldId id="270" r:id="rId13"/>
   </p:sldIdLst>
   <p:sldSz cx="12192000" cy="6858000"/>
   <p:notesSz cx="6858000" cy="9144000"/>
@@ -5655,7 +5656,14 @@
           <a:p>
             <a:r>
               <a:rPr lang="en-US" dirty="0"/>
-              <a:t>Beer presentation</a:t>
+              <a:t>Beer and Brewery </a:t>
+            </a:r>
+            <a:br>
+              <a:rPr lang="en-US" dirty="0"/>
+            </a:br>
+            <a:r>
+              <a:rPr lang="en-US" dirty="0"/>
+              <a:t>case study</a:t>
             </a:r>
           </a:p>
         </p:txBody>
@@ -5979,6 +5987,127 @@
     <p:extLst>
       <p:ext uri="{BB962C8B-B14F-4D97-AF65-F5344CB8AC3E}">
         <p14:creationId xmlns:p14="http://schemas.microsoft.com/office/powerpoint/2010/main" val="4151613042"/>
+      </p:ext>
+    </p:extLst>
+  </p:cSld>
+  <p:clrMapOvr>
+    <a:masterClrMapping/>
+  </p:clrMapOvr>
+</p:sld>
+</file>
+
+<file path=ppt/slides/slide12.xml><?xml version="1.0" encoding="utf-8"?>
+<p:sld xmlns:a="http://schemas.openxmlformats.org/drawingml/2006/main" xmlns:r="http://schemas.openxmlformats.org/officeDocument/2006/relationships" xmlns:p="http://schemas.openxmlformats.org/presentationml/2006/main">
+  <p:cSld>
+    <p:spTree>
+      <p:nvGrpSpPr>
+        <p:cNvPr id="1" name=""/>
+        <p:cNvGrpSpPr/>
+        <p:nvPr/>
+      </p:nvGrpSpPr>
+      <p:grpSpPr>
+        <a:xfrm>
+          <a:off x="0" y="0"/>
+          <a:ext cx="0" cy="0"/>
+          <a:chOff x="0" y="0"/>
+          <a:chExt cx="0" cy="0"/>
+        </a:xfrm>
+      </p:grpSpPr>
+      <p:sp>
+        <p:nvSpPr>
+          <p:cNvPr id="2" name="Title 1">
+            <a:extLst>
+              <a:ext uri="{FF2B5EF4-FFF2-40B4-BE49-F238E27FC236}">
+                <a16:creationId xmlns:a16="http://schemas.microsoft.com/office/drawing/2014/main" id="{59E19634-DE90-451E-8FE2-A8FD4FAE2A65}"/>
+              </a:ext>
+            </a:extLst>
+          </p:cNvPr>
+          <p:cNvSpPr>
+            <a:spLocks noGrp="1"/>
+          </p:cNvSpPr>
+          <p:nvPr>
+            <p:ph type="title"/>
+          </p:nvPr>
+        </p:nvSpPr>
+        <p:spPr/>
+        <p:txBody>
+          <a:bodyPr>
+            <a:normAutofit/>
+          </a:bodyPr>
+          <a:lstStyle/>
+          <a:p>
+            <a:r>
+              <a:rPr lang="en-US" sz="5400" dirty="0"/>
+              <a:t>Any Questions?</a:t>
+            </a:r>
+          </a:p>
+        </p:txBody>
+      </p:sp>
+      <p:sp>
+        <p:nvSpPr>
+          <p:cNvPr id="4" name="Title 1">
+            <a:extLst>
+              <a:ext uri="{FF2B5EF4-FFF2-40B4-BE49-F238E27FC236}">
+                <a16:creationId xmlns:a16="http://schemas.microsoft.com/office/drawing/2014/main" id="{DF6EF420-ED9F-48A5-BF3C-8E4805E229CC}"/>
+              </a:ext>
+            </a:extLst>
+          </p:cNvPr>
+          <p:cNvSpPr txBox="1">
+            <a:spLocks/>
+          </p:cNvSpPr>
+          <p:nvPr/>
+        </p:nvSpPr>
+        <p:spPr>
+          <a:xfrm>
+            <a:off x="806218" y="2958353"/>
+            <a:ext cx="10353761" cy="1326321"/>
+          </a:xfrm>
+          <a:prstGeom prst="rect">
+            <a:avLst/>
+          </a:prstGeom>
+        </p:spPr>
+        <p:txBody>
+          <a:bodyPr vert="horz" lIns="91440" tIns="45720" rIns="91440" bIns="45720" rtlCol="0" anchor="ctr">
+            <a:normAutofit/>
+          </a:bodyPr>
+          <a:lstStyle>
+            <a:lvl1pPr algn="ctr" defTabSz="914400" rtl="0" eaLnBrk="1" latinLnBrk="0" hangingPunct="1">
+              <a:lnSpc>
+                <a:spcPct val="90000"/>
+              </a:lnSpc>
+              <a:spcBef>
+                <a:spcPct val="0"/>
+              </a:spcBef>
+              <a:buNone/>
+              <a:defRPr sz="3400" b="1" i="0" kern="1200" cap="all">
+                <a:solidFill>
+                  <a:schemeClr val="tx1"/>
+                </a:solidFill>
+                <a:effectLst>
+                  <a:outerShdw blurRad="50800" dist="63500" dir="2700000" algn="tl" rotWithShape="0">
+                    <a:srgbClr val="000000">
+                      <a:alpha val="48000"/>
+                    </a:srgbClr>
+                  </a:outerShdw>
+                </a:effectLst>
+                <a:latin typeface="+mj-lt"/>
+                <a:ea typeface="+mj-ea"/>
+                <a:cs typeface="+mj-cs"/>
+              </a:defRPr>
+            </a:lvl1pPr>
+          </a:lstStyle>
+          <a:p>
+            <a:r>
+              <a:rPr lang="en-US" dirty="0"/>
+              <a:t>Thank you!</a:t>
+            </a:r>
+          </a:p>
+        </p:txBody>
+      </p:sp>
+    </p:spTree>
+    <p:extLst>
+      <p:ext uri="{BB962C8B-B14F-4D97-AF65-F5344CB8AC3E}">
+        <p14:creationId xmlns:p14="http://schemas.microsoft.com/office/powerpoint/2010/main" val="273147677"/>
       </p:ext>
     </p:extLst>
   </p:cSld>
@@ -6398,10 +6527,10 @@
       </p:grpSpPr>
       <p:pic>
         <p:nvPicPr>
-          <p:cNvPr id="7" name="Picture 6" descr="Map&#10;&#10;Description automatically generated">
+          <p:cNvPr id="3" name="Picture 2" descr="Map&#10;&#10;Description automatically generated">
             <a:extLst>
               <a:ext uri="{FF2B5EF4-FFF2-40B4-BE49-F238E27FC236}">
-                <a16:creationId xmlns:a16="http://schemas.microsoft.com/office/drawing/2014/main" id="{7F2B3F8B-9740-4836-8F4F-68A4F132B657}"/>
+                <a16:creationId xmlns:a16="http://schemas.microsoft.com/office/drawing/2014/main" id="{DC189FE4-4140-41E6-B5E1-C5321A48F703}"/>
               </a:ext>
             </a:extLst>
           </p:cNvPr>
@@ -6418,13 +6547,13 @@
               </a:ext>
             </a:extLst>
           </a:blip>
-          <a:srcRect t="10641" r="272" b="10537"/>
+          <a:srcRect l="14345" r="14443"/>
           <a:stretch/>
         </p:blipFill>
         <p:spPr>
           <a:xfrm>
-            <a:off x="1" y="0"/>
-            <a:ext cx="12192000" cy="6858000"/>
+            <a:off x="0" y="14045"/>
+            <a:ext cx="12191999" cy="6818759"/>
           </a:xfrm>
           <a:prstGeom prst="rect">
             <a:avLst/>
@@ -6463,10 +6592,10 @@
       </p:grpSpPr>
       <p:pic>
         <p:nvPicPr>
-          <p:cNvPr id="5" name="Picture 4" descr="Chart&#10;&#10;Description automatically generated">
+          <p:cNvPr id="7" name="Picture 6" descr="A picture containing graphical user interface&#10;&#10;Description automatically generated">
             <a:extLst>
               <a:ext uri="{FF2B5EF4-FFF2-40B4-BE49-F238E27FC236}">
-                <a16:creationId xmlns:a16="http://schemas.microsoft.com/office/drawing/2014/main" id="{43396F93-DC77-4731-B00A-270A4DE5F6B1}"/>
+                <a16:creationId xmlns:a16="http://schemas.microsoft.com/office/drawing/2014/main" id="{2AFCD271-0CAD-43B5-B935-72C7AF5BED32}"/>
               </a:ext>
             </a:extLst>
           </p:cNvPr>
@@ -6490,7 +6619,7 @@
         <p:spPr>
           <a:xfrm>
             <a:off x="0" y="0"/>
-            <a:ext cx="6096000" cy="6858000"/>
+            <a:ext cx="6095999" cy="6858000"/>
           </a:xfrm>
           <a:prstGeom prst="rect">
             <a:avLst/>
@@ -6499,10 +6628,10 @@
       </p:pic>
       <p:pic>
         <p:nvPicPr>
-          <p:cNvPr id="6" name="Picture 5" descr="Chart, histogram&#10;&#10;Description automatically generated">
+          <p:cNvPr id="9" name="Picture 8" descr="Chart, histogram&#10;&#10;Description automatically generated">
             <a:extLst>
               <a:ext uri="{FF2B5EF4-FFF2-40B4-BE49-F238E27FC236}">
-                <a16:creationId xmlns:a16="http://schemas.microsoft.com/office/drawing/2014/main" id="{F9CB0B60-3405-4D3A-B5A1-D75A0E5ACD98}"/>
+                <a16:creationId xmlns:a16="http://schemas.microsoft.com/office/drawing/2014/main" id="{BB55C805-3DC6-4113-B4DF-9FF734935206}"/>
               </a:ext>
             </a:extLst>
           </p:cNvPr>
@@ -6525,8 +6654,8 @@
         </p:blipFill>
         <p:spPr>
           <a:xfrm>
-            <a:off x="6096000" y="0"/>
-            <a:ext cx="6095999" cy="6858000"/>
+            <a:off x="6095998" y="0"/>
+            <a:ext cx="6096001" cy="6858000"/>
           </a:xfrm>
           <a:prstGeom prst="rect">
             <a:avLst/>
@@ -6565,10 +6694,10 @@
       </p:grpSpPr>
       <p:pic>
         <p:nvPicPr>
-          <p:cNvPr id="7" name="Picture 6" descr="Map&#10;&#10;Description automatically generated">
+          <p:cNvPr id="3" name="Picture 2" descr="Map&#10;&#10;Description automatically generated">
             <a:extLst>
               <a:ext uri="{FF2B5EF4-FFF2-40B4-BE49-F238E27FC236}">
-                <a16:creationId xmlns:a16="http://schemas.microsoft.com/office/drawing/2014/main" id="{9226C605-0F9C-49BE-929E-2ED36DF6B7BA}"/>
+                <a16:creationId xmlns:a16="http://schemas.microsoft.com/office/drawing/2014/main" id="{A01DE107-5457-4E4E-B293-641B8E0CC10A}"/>
               </a:ext>
             </a:extLst>
           </p:cNvPr>
@@ -6585,13 +6714,13 @@
               </a:ext>
             </a:extLst>
           </a:blip>
-          <a:srcRect t="8081" b="8013"/>
+          <a:srcRect l="17261" r="17260"/>
           <a:stretch/>
         </p:blipFill>
         <p:spPr>
           <a:xfrm>
-            <a:off x="0" y="0"/>
-            <a:ext cx="12192000" cy="6858000"/>
+            <a:off x="0" y="27382"/>
+            <a:ext cx="12192000" cy="6830618"/>
           </a:xfrm>
           <a:prstGeom prst="rect">
             <a:avLst/>
@@ -6630,10 +6759,10 @@
       </p:grpSpPr>
       <p:pic>
         <p:nvPicPr>
-          <p:cNvPr id="5" name="Picture 4" descr="Map&#10;&#10;Description automatically generated">
+          <p:cNvPr id="3" name="Picture 2" descr="Map&#10;&#10;Description automatically generated">
             <a:extLst>
               <a:ext uri="{FF2B5EF4-FFF2-40B4-BE49-F238E27FC236}">
-                <a16:creationId xmlns:a16="http://schemas.microsoft.com/office/drawing/2014/main" id="{9E8211DB-5E81-44DF-91B5-2A33FDAEF43B}"/>
+                <a16:creationId xmlns:a16="http://schemas.microsoft.com/office/drawing/2014/main" id="{BE3776C3-EF43-4E05-8366-EC75D043D63B}"/>
               </a:ext>
             </a:extLst>
           </p:cNvPr>
@@ -6650,13 +6779,13 @@
               </a:ext>
             </a:extLst>
           </a:blip>
-          <a:srcRect t="7407" b="7609"/>
+          <a:srcRect l="17746" r="17940"/>
           <a:stretch/>
         </p:blipFill>
         <p:spPr>
           <a:xfrm>
             <a:off x="0" y="0"/>
-            <a:ext cx="12192000" cy="6858000"/>
+            <a:ext cx="12191999" cy="6858000"/>
           </a:xfrm>
           <a:prstGeom prst="rect">
             <a:avLst/>
